--- a/slides/auctionfinal.pptx
+++ b/slides/auctionfinal.pptx
@@ -6,11 +6,21 @@
   </p:sldMasterIdLst>
   <p:sldIdLst>
     <p:sldId id="256" r:id="rId2"/>
-    <p:sldId id="257" r:id="rId3"/>
-    <p:sldId id="258" r:id="rId4"/>
-    <p:sldId id="259" r:id="rId5"/>
-    <p:sldId id="260" r:id="rId6"/>
-    <p:sldId id="261" r:id="rId7"/>
+    <p:sldId id="266" r:id="rId3"/>
+    <p:sldId id="269" r:id="rId4"/>
+    <p:sldId id="257" r:id="rId5"/>
+    <p:sldId id="258" r:id="rId6"/>
+    <p:sldId id="260" r:id="rId7"/>
+    <p:sldId id="262" r:id="rId8"/>
+    <p:sldId id="263" r:id="rId9"/>
+    <p:sldId id="264" r:id="rId10"/>
+    <p:sldId id="261" r:id="rId11"/>
+    <p:sldId id="265" r:id="rId12"/>
+    <p:sldId id="267" r:id="rId13"/>
+    <p:sldId id="259" r:id="rId14"/>
+    <p:sldId id="270" r:id="rId15"/>
+    <p:sldId id="271" r:id="rId16"/>
+    <p:sldId id="268" r:id="rId17"/>
   </p:sldIdLst>
   <p:sldSz cx="9144000" cy="6858000" type="screen4x3"/>
   <p:notesSz cx="6858000" cy="9144000"/>
@@ -294,7 +304,7 @@
             <a:fld id="{1D8BD707-D9CF-40AE-B4C6-C98DA3205C09}" type="datetimeFigureOut">
               <a:rPr lang="en-US" smtClean="0"/>
               <a:pPr/>
-              <a:t>4/24/2018</a:t>
+              <a:t>4/25/2018</a:t>
             </a:fld>
             <a:endParaRPr lang="en-US"/>
           </a:p>
@@ -461,7 +471,7 @@
             <a:fld id="{1D8BD707-D9CF-40AE-B4C6-C98DA3205C09}" type="datetimeFigureOut">
               <a:rPr lang="en-US" smtClean="0"/>
               <a:pPr/>
-              <a:t>4/24/2018</a:t>
+              <a:t>4/25/2018</a:t>
             </a:fld>
             <a:endParaRPr lang="en-US"/>
           </a:p>
@@ -638,7 +648,7 @@
             <a:fld id="{1D8BD707-D9CF-40AE-B4C6-C98DA3205C09}" type="datetimeFigureOut">
               <a:rPr lang="en-US" smtClean="0"/>
               <a:pPr/>
-              <a:t>4/24/2018</a:t>
+              <a:t>4/25/2018</a:t>
             </a:fld>
             <a:endParaRPr lang="en-US"/>
           </a:p>
@@ -805,7 +815,7 @@
             <a:fld id="{1D8BD707-D9CF-40AE-B4C6-C98DA3205C09}" type="datetimeFigureOut">
               <a:rPr lang="en-US" smtClean="0"/>
               <a:pPr/>
-              <a:t>4/24/2018</a:t>
+              <a:t>4/25/2018</a:t>
             </a:fld>
             <a:endParaRPr lang="en-US"/>
           </a:p>
@@ -1048,7 +1058,7 @@
             <a:fld id="{1D8BD707-D9CF-40AE-B4C6-C98DA3205C09}" type="datetimeFigureOut">
               <a:rPr lang="en-US" smtClean="0"/>
               <a:pPr/>
-              <a:t>4/24/2018</a:t>
+              <a:t>4/25/2018</a:t>
             </a:fld>
             <a:endParaRPr lang="en-US"/>
           </a:p>
@@ -1333,7 +1343,7 @@
             <a:fld id="{1D8BD707-D9CF-40AE-B4C6-C98DA3205C09}" type="datetimeFigureOut">
               <a:rPr lang="en-US" smtClean="0"/>
               <a:pPr/>
-              <a:t>4/24/2018</a:t>
+              <a:t>4/25/2018</a:t>
             </a:fld>
             <a:endParaRPr lang="en-US"/>
           </a:p>
@@ -1752,7 +1762,7 @@
             <a:fld id="{1D8BD707-D9CF-40AE-B4C6-C98DA3205C09}" type="datetimeFigureOut">
               <a:rPr lang="en-US" smtClean="0"/>
               <a:pPr/>
-              <a:t>4/24/2018</a:t>
+              <a:t>4/25/2018</a:t>
             </a:fld>
             <a:endParaRPr lang="en-US"/>
           </a:p>
@@ -1867,7 +1877,7 @@
             <a:fld id="{1D8BD707-D9CF-40AE-B4C6-C98DA3205C09}" type="datetimeFigureOut">
               <a:rPr lang="en-US" smtClean="0"/>
               <a:pPr/>
-              <a:t>4/24/2018</a:t>
+              <a:t>4/25/2018</a:t>
             </a:fld>
             <a:endParaRPr lang="en-US"/>
           </a:p>
@@ -1959,7 +1969,7 @@
             <a:fld id="{1D8BD707-D9CF-40AE-B4C6-C98DA3205C09}" type="datetimeFigureOut">
               <a:rPr lang="en-US" smtClean="0"/>
               <a:pPr/>
-              <a:t>4/24/2018</a:t>
+              <a:t>4/25/2018</a:t>
             </a:fld>
             <a:endParaRPr lang="en-US"/>
           </a:p>
@@ -2233,7 +2243,7 @@
             <a:fld id="{1D8BD707-D9CF-40AE-B4C6-C98DA3205C09}" type="datetimeFigureOut">
               <a:rPr lang="en-US" smtClean="0"/>
               <a:pPr/>
-              <a:t>4/24/2018</a:t>
+              <a:t>4/25/2018</a:t>
             </a:fld>
             <a:endParaRPr lang="en-US"/>
           </a:p>
@@ -2483,7 +2493,7 @@
             <a:fld id="{1D8BD707-D9CF-40AE-B4C6-C98DA3205C09}" type="datetimeFigureOut">
               <a:rPr lang="en-US" smtClean="0"/>
               <a:pPr/>
-              <a:t>4/24/2018</a:t>
+              <a:t>4/25/2018</a:t>
             </a:fld>
             <a:endParaRPr lang="en-US"/>
           </a:p>
@@ -2717,7 +2727,7 @@
             <a:fld id="{1D8BD707-D9CF-40AE-B4C6-C98DA3205C09}" type="datetimeFigureOut">
               <a:rPr lang="en-US" smtClean="0"/>
               <a:pPr/>
-              <a:t>4/24/2018</a:t>
+              <a:t>4/25/2018</a:t>
             </a:fld>
             <a:endParaRPr lang="en-US"/>
           </a:p>
@@ -3076,10 +3086,29 @@
   <p:cSld>
     <p:bg>
       <p:bgPr>
-        <a:blipFill>
-          <a:blip r:embed="rId2" cstate="print"/>
-          <a:tile tx="0" ty="0" sx="100000" sy="100000" flip="none" algn="tl"/>
-        </a:blipFill>
+        <a:gradFill>
+          <a:gsLst>
+            <a:gs pos="0">
+              <a:schemeClr val="accent1">
+                <a:tint val="66000"/>
+                <a:satMod val="160000"/>
+              </a:schemeClr>
+            </a:gs>
+            <a:gs pos="50000">
+              <a:schemeClr val="accent1">
+                <a:tint val="44500"/>
+                <a:satMod val="160000"/>
+              </a:schemeClr>
+            </a:gs>
+            <a:gs pos="100000">
+              <a:schemeClr val="accent1">
+                <a:tint val="23500"/>
+                <a:satMod val="160000"/>
+              </a:schemeClr>
+            </a:gs>
+          </a:gsLst>
+          <a:lin ang="5400000" scaled="0"/>
+        </a:gradFill>
         <a:effectLst/>
       </p:bgPr>
     </p:bg>
@@ -3112,6 +3141,9 @@
             <a:off x="457200" y="274638"/>
             <a:ext cx="8229600" cy="1630362"/>
           </a:xfrm>
+          <a:solidFill>
+            <a:srgbClr val="FFC000"/>
+          </a:solidFill>
         </p:spPr>
         <p:txBody>
           <a:bodyPr>
@@ -3155,7 +3187,7 @@
         </p:nvSpPr>
         <p:spPr>
           <a:xfrm>
-            <a:off x="457200" y="2209800"/>
+            <a:off x="457200" y="2255837"/>
             <a:ext cx="8229600" cy="4297363"/>
           </a:xfrm>
           <a:solidFill>
@@ -3185,8 +3217,13 @@
             </a:pPr>
             <a:r>
               <a:rPr lang="en-IN" b="1" dirty="0" smtClean="0"/>
-              <a:t>                                 Project 2(E) </a:t>
-            </a:r>
+              <a:t>                                 </a:t>
+            </a:r>
+            <a:r>
+              <a:rPr lang="en-IN" sz="3600" b="1" dirty="0" smtClean="0"/>
+              <a:t>Project 2(E) </a:t>
+            </a:r>
+            <a:endParaRPr lang="en-IN" b="1" dirty="0" smtClean="0"/>
           </a:p>
           <a:p>
             <a:pPr>
@@ -3213,7 +3250,7 @@
             </a:r>
             <a:r>
               <a:rPr lang="en-IN" sz="2400" dirty="0" smtClean="0"/>
-              <a:t>Professor: </a:t>
+              <a:t>Prof. </a:t>
             </a:r>
             <a:r>
               <a:rPr lang="en-IN" sz="2400" dirty="0" err="1" smtClean="0"/>
@@ -3232,6 +3269,10 @@
               <a:t>                 </a:t>
             </a:r>
             <a:r>
+              <a:rPr lang="en-IN" b="1" dirty="0" smtClean="0"/>
+              <a:t>      </a:t>
+            </a:r>
+            <a:r>
               <a:rPr lang="en-IN" sz="2400" dirty="0" err="1" smtClean="0"/>
               <a:t>Mayank</a:t>
             </a:r>
@@ -3254,7 +3295,7 @@
             </a:pPr>
             <a:r>
               <a:rPr lang="en-IN" sz="2400" dirty="0" smtClean="0"/>
-              <a:t>                                                              </a:t>
+              <a:t>                                                               </a:t>
             </a:r>
             <a:r>
               <a:rPr lang="en-IN" sz="2400" dirty="0" err="1" smtClean="0"/>
@@ -3306,6 +3347,756 @@
           </a:p>
         </p:txBody>
       </p:sp>
+      <p:pic>
+        <p:nvPicPr>
+          <p:cNvPr id="4" name="Picture 3" descr="download.png"/>
+          <p:cNvPicPr>
+            <a:picLocks noChangeAspect="1"/>
+          </p:cNvPicPr>
+          <p:nvPr/>
+        </p:nvPicPr>
+        <p:blipFill>
+          <a:blip r:embed="rId2" cstate="print"/>
+          <a:stretch>
+            <a:fillRect/>
+          </a:stretch>
+        </p:blipFill>
+        <p:spPr>
+          <a:xfrm>
+            <a:off x="7315200" y="2286000"/>
+            <a:ext cx="1371600" cy="1059873"/>
+          </a:xfrm>
+          <a:prstGeom prst="rect">
+            <a:avLst/>
+          </a:prstGeom>
+        </p:spPr>
+      </p:pic>
+    </p:spTree>
+  </p:cSld>
+  <p:clrMapOvr>
+    <a:masterClrMapping/>
+  </p:clrMapOvr>
+  <p:timing>
+    <p:tnLst>
+      <p:par>
+        <p:cTn id="1" dur="indefinite" restart="never" nodeType="tmRoot"/>
+      </p:par>
+    </p:tnLst>
+  </p:timing>
+</p:sld>
+</file>
+
+<file path=ppt/slides/slide10.xml><?xml version="1.0" encoding="utf-8"?>
+<p:sld xmlns:a="http://schemas.openxmlformats.org/drawingml/2006/main" xmlns:r="http://schemas.openxmlformats.org/officeDocument/2006/relationships" xmlns:p="http://schemas.openxmlformats.org/presentationml/2006/main">
+  <p:cSld>
+    <p:spTree>
+      <p:nvGrpSpPr>
+        <p:cNvPr id="1" name=""/>
+        <p:cNvGrpSpPr/>
+        <p:nvPr/>
+      </p:nvGrpSpPr>
+      <p:grpSpPr>
+        <a:xfrm>
+          <a:off x="0" y="0"/>
+          <a:ext cx="0" cy="0"/>
+          <a:chOff x="0" y="0"/>
+          <a:chExt cx="0" cy="0"/>
+        </a:xfrm>
+      </p:grpSpPr>
+      <p:sp>
+        <p:nvSpPr>
+          <p:cNvPr id="2" name="Title 1"/>
+          <p:cNvSpPr>
+            <a:spLocks noGrp="1"/>
+          </p:cNvSpPr>
+          <p:nvPr>
+            <p:ph type="title"/>
+          </p:nvPr>
+        </p:nvSpPr>
+        <p:spPr/>
+        <p:txBody>
+          <a:bodyPr/>
+          <a:lstStyle/>
+          <a:p>
+            <a:r>
+              <a:rPr lang="en-IN" dirty="0" err="1" smtClean="0"/>
+              <a:t>Kth_Price</a:t>
+            </a:r>
+            <a:r>
+              <a:rPr lang="en-IN" dirty="0" smtClean="0"/>
+              <a:t> Auction(Sealed bid)</a:t>
+            </a:r>
+            <a:endParaRPr lang="en-IN" dirty="0"/>
+          </a:p>
+        </p:txBody>
+      </p:sp>
+      <p:pic>
+        <p:nvPicPr>
+          <p:cNvPr id="4" name="Content Placeholder 3" descr="First-Price-Auction.png"/>
+          <p:cNvPicPr>
+            <a:picLocks noGrp="1" noChangeAspect="1"/>
+          </p:cNvPicPr>
+          <p:nvPr>
+            <p:ph idx="1"/>
+          </p:nvPr>
+        </p:nvPicPr>
+        <p:blipFill>
+          <a:blip r:embed="rId2" cstate="print"/>
+          <a:stretch>
+            <a:fillRect/>
+          </a:stretch>
+        </p:blipFill>
+        <p:spPr>
+          <a:xfrm>
+            <a:off x="457200" y="1676400"/>
+            <a:ext cx="8229600" cy="4190999"/>
+          </a:xfrm>
+        </p:spPr>
+      </p:pic>
+    </p:spTree>
+  </p:cSld>
+  <p:clrMapOvr>
+    <a:masterClrMapping/>
+  </p:clrMapOvr>
+  <p:timing>
+    <p:tnLst>
+      <p:par>
+        <p:cTn id="1" dur="indefinite" restart="never" nodeType="tmRoot"/>
+      </p:par>
+    </p:tnLst>
+  </p:timing>
+</p:sld>
+</file>
+
+<file path=ppt/slides/slide11.xml><?xml version="1.0" encoding="utf-8"?>
+<p:sld xmlns:a="http://schemas.openxmlformats.org/drawingml/2006/main" xmlns:r="http://schemas.openxmlformats.org/officeDocument/2006/relationships" xmlns:p="http://schemas.openxmlformats.org/presentationml/2006/main">
+  <p:cSld>
+    <p:spTree>
+      <p:nvGrpSpPr>
+        <p:cNvPr id="1" name=""/>
+        <p:cNvGrpSpPr/>
+        <p:nvPr/>
+      </p:nvGrpSpPr>
+      <p:grpSpPr>
+        <a:xfrm>
+          <a:off x="0" y="0"/>
+          <a:ext cx="0" cy="0"/>
+          <a:chOff x="0" y="0"/>
+          <a:chExt cx="0" cy="0"/>
+        </a:xfrm>
+      </p:grpSpPr>
+      <p:sp>
+        <p:nvSpPr>
+          <p:cNvPr id="2" name="Title 1"/>
+          <p:cNvSpPr>
+            <a:spLocks noGrp="1"/>
+          </p:cNvSpPr>
+          <p:nvPr>
+            <p:ph type="title"/>
+          </p:nvPr>
+        </p:nvSpPr>
+        <p:spPr/>
+        <p:txBody>
+          <a:bodyPr/>
+          <a:lstStyle/>
+          <a:p>
+            <a:r>
+              <a:rPr lang="en-IN" dirty="0" err="1" smtClean="0"/>
+              <a:t>Kth_Price</a:t>
+            </a:r>
+            <a:r>
+              <a:rPr lang="en-IN" dirty="0" smtClean="0"/>
+              <a:t> (</a:t>
+            </a:r>
+            <a:r>
+              <a:rPr lang="en-IN" dirty="0" err="1" smtClean="0"/>
+              <a:t>Vickrey</a:t>
+            </a:r>
+            <a:r>
+              <a:rPr lang="en-IN" dirty="0" smtClean="0"/>
+              <a:t> Auction)</a:t>
+            </a:r>
+            <a:endParaRPr lang="en-IN" dirty="0"/>
+          </a:p>
+        </p:txBody>
+      </p:sp>
+      <p:pic>
+        <p:nvPicPr>
+          <p:cNvPr id="4" name="Content Placeholder 3" descr="Second-Price-Auction.png"/>
+          <p:cNvPicPr>
+            <a:picLocks noGrp="1" noChangeAspect="1"/>
+          </p:cNvPicPr>
+          <p:nvPr>
+            <p:ph idx="1"/>
+          </p:nvPr>
+        </p:nvPicPr>
+        <p:blipFill>
+          <a:blip r:embed="rId2" cstate="print"/>
+          <a:stretch>
+            <a:fillRect/>
+          </a:stretch>
+        </p:blipFill>
+        <p:spPr>
+          <a:xfrm>
+            <a:off x="457200" y="1828800"/>
+            <a:ext cx="8229600" cy="4114800"/>
+          </a:xfrm>
+        </p:spPr>
+      </p:pic>
+    </p:spTree>
+  </p:cSld>
+  <p:clrMapOvr>
+    <a:masterClrMapping/>
+  </p:clrMapOvr>
+  <p:timing>
+    <p:tnLst>
+      <p:par>
+        <p:cTn id="1" dur="indefinite" restart="never" nodeType="tmRoot"/>
+      </p:par>
+    </p:tnLst>
+  </p:timing>
+</p:sld>
+</file>
+
+<file path=ppt/slides/slide12.xml><?xml version="1.0" encoding="utf-8"?>
+<p:sld xmlns:a="http://schemas.openxmlformats.org/drawingml/2006/main" xmlns:r="http://schemas.openxmlformats.org/officeDocument/2006/relationships" xmlns:p="http://schemas.openxmlformats.org/presentationml/2006/main">
+  <p:cSld>
+    <p:spTree>
+      <p:nvGrpSpPr>
+        <p:cNvPr id="1" name=""/>
+        <p:cNvGrpSpPr/>
+        <p:nvPr/>
+      </p:nvGrpSpPr>
+      <p:grpSpPr>
+        <a:xfrm>
+          <a:off x="0" y="0"/>
+          <a:ext cx="0" cy="0"/>
+          <a:chOff x="0" y="0"/>
+          <a:chExt cx="0" cy="0"/>
+        </a:xfrm>
+      </p:grpSpPr>
+      <p:sp>
+        <p:nvSpPr>
+          <p:cNvPr id="2" name="Title 1"/>
+          <p:cNvSpPr>
+            <a:spLocks noGrp="1"/>
+          </p:cNvSpPr>
+          <p:nvPr>
+            <p:ph type="title"/>
+          </p:nvPr>
+        </p:nvSpPr>
+        <p:spPr>
+          <a:xfrm>
+            <a:off x="3048000" y="381000"/>
+            <a:ext cx="3048000" cy="715962"/>
+          </a:xfrm>
+          <a:solidFill>
+            <a:srgbClr val="FFC000"/>
+          </a:solidFill>
+        </p:spPr>
+        <p:txBody>
+          <a:bodyPr>
+            <a:normAutofit fontScale="90000"/>
+          </a:bodyPr>
+          <a:lstStyle/>
+          <a:p>
+            <a:r>
+              <a:rPr lang="en-IN" dirty="0" smtClean="0"/>
+              <a:t>Our Solution</a:t>
+            </a:r>
+            <a:endParaRPr lang="en-IN" dirty="0"/>
+          </a:p>
+        </p:txBody>
+      </p:sp>
+      <p:sp>
+        <p:nvSpPr>
+          <p:cNvPr id="3" name="Content Placeholder 2"/>
+          <p:cNvSpPr>
+            <a:spLocks noGrp="1"/>
+          </p:cNvSpPr>
+          <p:nvPr>
+            <p:ph idx="1"/>
+          </p:nvPr>
+        </p:nvSpPr>
+        <p:spPr>
+          <a:xfrm>
+            <a:off x="381000" y="1447800"/>
+            <a:ext cx="8153400" cy="5211763"/>
+          </a:xfrm>
+        </p:spPr>
+        <p:txBody>
+          <a:bodyPr>
+            <a:noAutofit/>
+          </a:bodyPr>
+          <a:lstStyle/>
+          <a:p>
+            <a:pPr>
+              <a:buNone/>
+            </a:pPr>
+            <a:r>
+              <a:rPr lang="en-IN" sz="2600" b="1" dirty="0" smtClean="0"/>
+              <a:t>  </a:t>
+            </a:r>
+            <a:r>
+              <a:rPr lang="en-IN" sz="2600" b="1" dirty="0" smtClean="0"/>
+              <a:t>1. </a:t>
+            </a:r>
+            <a:r>
+              <a:rPr lang="en-IN" sz="2800" b="1" dirty="0" smtClean="0"/>
+              <a:t>decentralized platform : </a:t>
+            </a:r>
+            <a:r>
+              <a:rPr lang="en-IN" sz="2600" dirty="0" smtClean="0"/>
+              <a:t>that enables everyone will be able to connect in order to sell, bid, organize an auction or offer a service to the ecosystem</a:t>
+            </a:r>
+            <a:r>
+              <a:rPr lang="en-IN" sz="2600" dirty="0" smtClean="0"/>
+              <a:t>.</a:t>
+            </a:r>
+          </a:p>
+          <a:p>
+            <a:pPr>
+              <a:buNone/>
+            </a:pPr>
+            <a:endParaRPr lang="en-IN" sz="2600" dirty="0" smtClean="0"/>
+          </a:p>
+          <a:p>
+            <a:pPr>
+              <a:buNone/>
+            </a:pPr>
+            <a:r>
+              <a:rPr lang="en-IN" sz="2600" dirty="0" smtClean="0"/>
+              <a:t> </a:t>
+            </a:r>
+            <a:r>
+              <a:rPr lang="en-IN" sz="2800" b="1" dirty="0" smtClean="0"/>
+              <a:t>2. </a:t>
+            </a:r>
+            <a:r>
+              <a:rPr lang="en-IN" sz="2800" b="1" dirty="0" smtClean="0"/>
+              <a:t>Scalable, reliable and transparent: </a:t>
+            </a:r>
+            <a:r>
+              <a:rPr lang="en-IN" sz="2600" dirty="0" smtClean="0"/>
+              <a:t>each operation will be registered within the network in a way that is transparent, publicly verifiable and infeasible to falsify</a:t>
+            </a:r>
+            <a:r>
+              <a:rPr lang="en-IN" sz="2600" dirty="0" smtClean="0"/>
+              <a:t>.</a:t>
+            </a:r>
+          </a:p>
+          <a:p>
+            <a:pPr>
+              <a:buNone/>
+            </a:pPr>
+            <a:endParaRPr lang="en-IN" sz="2600" dirty="0" smtClean="0"/>
+          </a:p>
+          <a:p>
+            <a:pPr>
+              <a:buNone/>
+            </a:pPr>
+            <a:r>
+              <a:rPr lang="en-IN" sz="2800" b="1" dirty="0" smtClean="0"/>
+              <a:t> 3. </a:t>
+            </a:r>
+            <a:r>
+              <a:rPr lang="en-IN" sz="2800" b="1" dirty="0" smtClean="0"/>
+              <a:t>Interoperable</a:t>
+            </a:r>
+            <a:r>
+              <a:rPr lang="en-IN" sz="2800" b="1" dirty="0" smtClean="0"/>
+              <a:t>: </a:t>
+            </a:r>
+            <a:r>
+              <a:rPr lang="en-IN" sz="2600" dirty="0" smtClean="0"/>
+              <a:t>The bidder will be able to participate in numerous worldwide auctions– using just one interface.</a:t>
+            </a:r>
+          </a:p>
+          <a:p>
+            <a:pPr>
+              <a:buNone/>
+            </a:pPr>
+            <a:r>
+              <a:rPr lang="en-IN" sz="2600" dirty="0" smtClean="0"/>
+              <a:t>  </a:t>
+            </a:r>
+            <a:endParaRPr lang="en-IN" sz="2600" dirty="0"/>
+          </a:p>
+        </p:txBody>
+      </p:sp>
+    </p:spTree>
+  </p:cSld>
+  <p:clrMapOvr>
+    <a:masterClrMapping/>
+  </p:clrMapOvr>
+  <p:timing>
+    <p:tnLst>
+      <p:par>
+        <p:cTn id="1" dur="indefinite" restart="never" nodeType="tmRoot"/>
+      </p:par>
+    </p:tnLst>
+  </p:timing>
+</p:sld>
+</file>
+
+<file path=ppt/slides/slide13.xml><?xml version="1.0" encoding="utf-8"?>
+<p:sld xmlns:a="http://schemas.openxmlformats.org/drawingml/2006/main" xmlns:r="http://schemas.openxmlformats.org/officeDocument/2006/relationships" xmlns:p="http://schemas.openxmlformats.org/presentationml/2006/main">
+  <p:cSld>
+    <p:spTree>
+      <p:nvGrpSpPr>
+        <p:cNvPr id="1" name=""/>
+        <p:cNvGrpSpPr/>
+        <p:nvPr/>
+      </p:nvGrpSpPr>
+      <p:grpSpPr>
+        <a:xfrm>
+          <a:off x="0" y="0"/>
+          <a:ext cx="0" cy="0"/>
+          <a:chOff x="0" y="0"/>
+          <a:chExt cx="0" cy="0"/>
+        </a:xfrm>
+      </p:grpSpPr>
+      <p:sp>
+        <p:nvSpPr>
+          <p:cNvPr id="2" name="Title 1"/>
+          <p:cNvSpPr>
+            <a:spLocks noGrp="1"/>
+          </p:cNvSpPr>
+          <p:nvPr>
+            <p:ph type="title"/>
+          </p:nvPr>
+        </p:nvSpPr>
+        <p:spPr/>
+        <p:txBody>
+          <a:bodyPr>
+            <a:normAutofit fontScale="90000"/>
+          </a:bodyPr>
+          <a:lstStyle/>
+          <a:p>
+            <a:r>
+              <a:rPr lang="en-IN" dirty="0" smtClean="0"/>
+              <a:t>Architecture</a:t>
+            </a:r>
+            <a:br>
+              <a:rPr lang="en-IN" dirty="0" smtClean="0"/>
+            </a:br>
+            <a:endParaRPr lang="en-IN" dirty="0"/>
+          </a:p>
+        </p:txBody>
+      </p:sp>
+      <p:pic>
+        <p:nvPicPr>
+          <p:cNvPr id="4" name="Content Placeholder 3" descr="ActivityDiagram1.jpg"/>
+          <p:cNvPicPr>
+            <a:picLocks noGrp="1" noChangeAspect="1"/>
+          </p:cNvPicPr>
+          <p:nvPr>
+            <p:ph idx="1"/>
+          </p:nvPr>
+        </p:nvPicPr>
+        <p:blipFill>
+          <a:blip r:embed="rId2" cstate="print"/>
+          <a:stretch>
+            <a:fillRect/>
+          </a:stretch>
+        </p:blipFill>
+        <p:spPr>
+          <a:xfrm>
+            <a:off x="838200" y="1219200"/>
+            <a:ext cx="7391399" cy="5334000"/>
+          </a:xfrm>
+        </p:spPr>
+      </p:pic>
+    </p:spTree>
+  </p:cSld>
+  <p:clrMapOvr>
+    <a:masterClrMapping/>
+  </p:clrMapOvr>
+  <p:timing>
+    <p:tnLst>
+      <p:par>
+        <p:cTn id="1" dur="indefinite" restart="never" nodeType="tmRoot"/>
+      </p:par>
+    </p:tnLst>
+  </p:timing>
+</p:sld>
+</file>
+
+<file path=ppt/slides/slide14.xml><?xml version="1.0" encoding="utf-8"?>
+<p:sld xmlns:a="http://schemas.openxmlformats.org/drawingml/2006/main" xmlns:r="http://schemas.openxmlformats.org/officeDocument/2006/relationships" xmlns:p="http://schemas.openxmlformats.org/presentationml/2006/main">
+  <p:cSld>
+    <p:spTree>
+      <p:nvGrpSpPr>
+        <p:cNvPr id="1" name=""/>
+        <p:cNvGrpSpPr/>
+        <p:nvPr/>
+      </p:nvGrpSpPr>
+      <p:grpSpPr>
+        <a:xfrm>
+          <a:off x="0" y="0"/>
+          <a:ext cx="0" cy="0"/>
+          <a:chOff x="0" y="0"/>
+          <a:chExt cx="0" cy="0"/>
+        </a:xfrm>
+      </p:grpSpPr>
+      <p:sp>
+        <p:nvSpPr>
+          <p:cNvPr id="2" name="Title 1"/>
+          <p:cNvSpPr>
+            <a:spLocks noGrp="1"/>
+          </p:cNvSpPr>
+          <p:nvPr>
+            <p:ph type="title"/>
+          </p:nvPr>
+        </p:nvSpPr>
+        <p:spPr>
+          <a:xfrm>
+            <a:off x="457200" y="274638"/>
+            <a:ext cx="8229600" cy="868362"/>
+          </a:xfrm>
+        </p:spPr>
+        <p:txBody>
+          <a:bodyPr>
+            <a:normAutofit/>
+          </a:bodyPr>
+          <a:lstStyle/>
+          <a:p>
+            <a:r>
+              <a:rPr lang="en-IN" dirty="0" smtClean="0"/>
+              <a:t>Flow Diagram</a:t>
+            </a:r>
+            <a:endParaRPr lang="en-IN" dirty="0"/>
+          </a:p>
+        </p:txBody>
+      </p:sp>
+      <p:pic>
+        <p:nvPicPr>
+          <p:cNvPr id="4" name="Content Placeholder 3" descr="flowauction.jpeg"/>
+          <p:cNvPicPr>
+            <a:picLocks noGrp="1" noChangeAspect="1"/>
+          </p:cNvPicPr>
+          <p:nvPr>
+            <p:ph idx="1"/>
+          </p:nvPr>
+        </p:nvPicPr>
+        <p:blipFill>
+          <a:blip r:embed="rId2" cstate="print"/>
+          <a:stretch>
+            <a:fillRect/>
+          </a:stretch>
+        </p:blipFill>
+        <p:spPr>
+          <a:xfrm>
+            <a:off x="533400" y="1219200"/>
+            <a:ext cx="8001000" cy="4934744"/>
+          </a:xfrm>
+        </p:spPr>
+      </p:pic>
+    </p:spTree>
+  </p:cSld>
+  <p:clrMapOvr>
+    <a:masterClrMapping/>
+  </p:clrMapOvr>
+  <p:timing>
+    <p:tnLst>
+      <p:par>
+        <p:cTn id="1" dur="indefinite" restart="never" nodeType="tmRoot"/>
+      </p:par>
+    </p:tnLst>
+  </p:timing>
+</p:sld>
+</file>
+
+<file path=ppt/slides/slide15.xml><?xml version="1.0" encoding="utf-8"?>
+<p:sld xmlns:a="http://schemas.openxmlformats.org/drawingml/2006/main" xmlns:r="http://schemas.openxmlformats.org/officeDocument/2006/relationships" xmlns:p="http://schemas.openxmlformats.org/presentationml/2006/main">
+  <p:cSld>
+    <p:spTree>
+      <p:nvGrpSpPr>
+        <p:cNvPr id="1" name=""/>
+        <p:cNvGrpSpPr/>
+        <p:nvPr/>
+      </p:nvGrpSpPr>
+      <p:grpSpPr>
+        <a:xfrm>
+          <a:off x="0" y="0"/>
+          <a:ext cx="0" cy="0"/>
+          <a:chOff x="0" y="0"/>
+          <a:chExt cx="0" cy="0"/>
+        </a:xfrm>
+      </p:grpSpPr>
+      <p:sp>
+        <p:nvSpPr>
+          <p:cNvPr id="2" name="Title 1"/>
+          <p:cNvSpPr>
+            <a:spLocks noGrp="1"/>
+          </p:cNvSpPr>
+          <p:nvPr>
+            <p:ph type="title"/>
+          </p:nvPr>
+        </p:nvSpPr>
+        <p:spPr/>
+        <p:txBody>
+          <a:bodyPr/>
+          <a:lstStyle/>
+          <a:p>
+            <a:r>
+              <a:rPr lang="en-IN" dirty="0" smtClean="0"/>
+              <a:t>Future Plans</a:t>
+            </a:r>
+            <a:endParaRPr lang="en-IN" dirty="0"/>
+          </a:p>
+        </p:txBody>
+      </p:sp>
+      <p:sp>
+        <p:nvSpPr>
+          <p:cNvPr id="3" name="Content Placeholder 2"/>
+          <p:cNvSpPr>
+            <a:spLocks noGrp="1"/>
+          </p:cNvSpPr>
+          <p:nvPr>
+            <p:ph idx="1"/>
+          </p:nvPr>
+        </p:nvSpPr>
+        <p:spPr>
+          <a:xfrm>
+            <a:off x="457200" y="1981200"/>
+            <a:ext cx="8229600" cy="4525963"/>
+          </a:xfrm>
+        </p:spPr>
+        <p:txBody>
+          <a:bodyPr/>
+          <a:lstStyle/>
+          <a:p>
+            <a:r>
+              <a:rPr lang="en-IN" dirty="0" smtClean="0"/>
+              <a:t>Want to make it open source.</a:t>
+            </a:r>
+          </a:p>
+          <a:p>
+            <a:r>
+              <a:rPr lang="en-IN" dirty="0" smtClean="0"/>
+              <a:t>Support More Types Of Auctions.</a:t>
+            </a:r>
+          </a:p>
+          <a:p>
+            <a:r>
+              <a:rPr lang="en-IN" dirty="0" smtClean="0"/>
+              <a:t>Should be able to create rules dynamically.</a:t>
+            </a:r>
+          </a:p>
+          <a:p>
+            <a:pPr>
+              <a:buNone/>
+            </a:pPr>
+            <a:endParaRPr lang="en-IN" dirty="0"/>
+          </a:p>
+        </p:txBody>
+      </p:sp>
+    </p:spTree>
+  </p:cSld>
+  <p:clrMapOvr>
+    <a:masterClrMapping/>
+  </p:clrMapOvr>
+</p:sld>
+</file>
+
+<file path=ppt/slides/slide16.xml><?xml version="1.0" encoding="utf-8"?>
+<p:sld xmlns:a="http://schemas.openxmlformats.org/drawingml/2006/main" xmlns:r="http://schemas.openxmlformats.org/officeDocument/2006/relationships" xmlns:p="http://schemas.openxmlformats.org/presentationml/2006/main">
+  <p:cSld>
+    <p:spTree>
+      <p:nvGrpSpPr>
+        <p:cNvPr id="1" name=""/>
+        <p:cNvGrpSpPr/>
+        <p:nvPr/>
+      </p:nvGrpSpPr>
+      <p:grpSpPr>
+        <a:xfrm>
+          <a:off x="0" y="0"/>
+          <a:ext cx="0" cy="0"/>
+          <a:chOff x="0" y="0"/>
+          <a:chExt cx="0" cy="0"/>
+        </a:xfrm>
+      </p:grpSpPr>
+      <p:sp>
+        <p:nvSpPr>
+          <p:cNvPr id="2" name="Title 1"/>
+          <p:cNvSpPr>
+            <a:spLocks noGrp="1"/>
+          </p:cNvSpPr>
+          <p:nvPr>
+            <p:ph type="title"/>
+          </p:nvPr>
+        </p:nvSpPr>
+        <p:spPr/>
+        <p:txBody>
+          <a:bodyPr>
+            <a:normAutofit fontScale="90000"/>
+          </a:bodyPr>
+          <a:lstStyle/>
+          <a:p>
+            <a:r>
+              <a:rPr lang="en-IN" sz="8000" b="1" i="1" dirty="0" smtClean="0">
+                <a:solidFill>
+                  <a:schemeClr val="accent4">
+                    <a:lumMod val="50000"/>
+                  </a:schemeClr>
+                </a:solidFill>
+              </a:rPr>
+              <a:t>Thank</a:t>
+            </a:r>
+            <a:r>
+              <a:rPr lang="en-IN" b="1" i="1" dirty="0" smtClean="0">
+                <a:solidFill>
+                  <a:schemeClr val="accent4">
+                    <a:lumMod val="50000"/>
+                  </a:schemeClr>
+                </a:solidFill>
+              </a:rPr>
+              <a:t> </a:t>
+            </a:r>
+            <a:r>
+              <a:rPr lang="en-IN" sz="8000" b="1" i="1" dirty="0" smtClean="0">
+                <a:solidFill>
+                  <a:schemeClr val="accent4">
+                    <a:lumMod val="50000"/>
+                  </a:schemeClr>
+                </a:solidFill>
+              </a:rPr>
+              <a:t>You</a:t>
+            </a:r>
+            <a:endParaRPr lang="en-IN" b="1" i="1" dirty="0">
+              <a:solidFill>
+                <a:schemeClr val="accent4">
+                  <a:lumMod val="50000"/>
+                </a:schemeClr>
+              </a:solidFill>
+            </a:endParaRPr>
+          </a:p>
+        </p:txBody>
+      </p:sp>
+      <p:pic>
+        <p:nvPicPr>
+          <p:cNvPr id="6" name="Content Placeholder 5" descr="images.jpe"/>
+          <p:cNvPicPr>
+            <a:picLocks noGrp="1" noChangeAspect="1"/>
+          </p:cNvPicPr>
+          <p:nvPr>
+            <p:ph idx="1"/>
+          </p:nvPr>
+        </p:nvPicPr>
+        <p:blipFill>
+          <a:blip r:embed="rId2" cstate="print"/>
+          <a:stretch>
+            <a:fillRect/>
+          </a:stretch>
+        </p:blipFill>
+        <p:spPr>
+          <a:xfrm>
+            <a:off x="2438400" y="2514600"/>
+            <a:ext cx="4495800" cy="3352800"/>
+          </a:xfrm>
+        </p:spPr>
+      </p:pic>
     </p:spTree>
   </p:cSld>
   <p:clrMapOvr>
@@ -3355,7 +4146,15 @@
           <a:p>
             <a:r>
               <a:rPr lang="en-IN" dirty="0" smtClean="0"/>
-              <a:t>Today’s Auction</a:t>
+              <a:t>Centralised </a:t>
+            </a:r>
+            <a:r>
+              <a:rPr lang="en-IN" dirty="0" smtClean="0"/>
+              <a:t>vs. </a:t>
+            </a:r>
+            <a:r>
+              <a:rPr lang="en-IN" dirty="0" smtClean="0"/>
+              <a:t>Decentralised</a:t>
             </a:r>
             <a:endParaRPr lang="en-IN" dirty="0"/>
           </a:p>
@@ -3363,7 +4162,7 @@
       </p:sp>
       <p:pic>
         <p:nvPicPr>
-          <p:cNvPr id="10" name="Content Placeholder 9" descr="A1.png"/>
+          <p:cNvPr id="4" name="Content Placeholder 3" descr="centralized.png"/>
           <p:cNvPicPr>
             <a:picLocks noGrp="1" noChangeAspect="1"/>
           </p:cNvPicPr>
@@ -3379,8 +4178,8 @@
         </p:blipFill>
         <p:spPr>
           <a:xfrm>
-            <a:off x="914400" y="1676400"/>
-            <a:ext cx="6559665" cy="4699794"/>
+            <a:off x="457200" y="1600200"/>
+            <a:ext cx="8229600" cy="4572000"/>
           </a:xfrm>
         </p:spPr>
       </p:pic>
@@ -3426,90 +4225,108 @@
             <p:ph type="title"/>
           </p:nvPr>
         </p:nvSpPr>
-        <p:spPr/>
-        <p:txBody>
-          <a:bodyPr/>
-          <a:lstStyle/>
-          <a:p>
-            <a:r>
-              <a:rPr lang="en-IN" dirty="0" smtClean="0"/>
-              <a:t>Limitations or Gap</a:t>
-            </a:r>
-            <a:endParaRPr lang="en-IN" dirty="0"/>
-          </a:p>
-        </p:txBody>
-      </p:sp>
-      <p:sp>
-        <p:nvSpPr>
-          <p:cNvPr id="3" name="Content Placeholder 2"/>
-          <p:cNvSpPr>
-            <a:spLocks noGrp="1"/>
-          </p:cNvSpPr>
-          <p:nvPr>
-            <p:ph idx="1"/>
-          </p:nvPr>
-        </p:nvSpPr>
         <p:spPr>
           <a:xfrm>
-            <a:off x="457200" y="1371600"/>
-            <a:ext cx="8229600" cy="5029200"/>
+            <a:off x="2286000" y="487362"/>
+            <a:ext cx="3810000" cy="731838"/>
+          </a:xfrm>
+          <a:solidFill>
+            <a:srgbClr val="FFC000"/>
+          </a:solidFill>
+        </p:spPr>
+        <p:txBody>
+          <a:bodyPr>
+            <a:normAutofit fontScale="90000"/>
+          </a:bodyPr>
+          <a:lstStyle/>
+          <a:p>
+            <a:r>
+              <a:rPr lang="en-IN" dirty="0" err="1" smtClean="0"/>
+              <a:t>BlockChain</a:t>
+            </a:r>
+            <a:r>
+              <a:rPr lang="en-IN" dirty="0" smtClean="0"/>
+              <a:t>???</a:t>
+            </a:r>
+            <a:endParaRPr lang="en-IN" dirty="0"/>
+          </a:p>
+        </p:txBody>
+      </p:sp>
+      <p:sp>
+        <p:nvSpPr>
+          <p:cNvPr id="3" name="Content Placeholder 2"/>
+          <p:cNvSpPr>
+            <a:spLocks noGrp="1"/>
+          </p:cNvSpPr>
+          <p:nvPr>
+            <p:ph idx="1"/>
+          </p:nvPr>
+        </p:nvSpPr>
+        <p:spPr>
+          <a:xfrm>
+            <a:off x="228600" y="2209800"/>
+            <a:ext cx="8686800" cy="3810000"/>
           </a:xfrm>
         </p:spPr>
         <p:txBody>
-          <a:bodyPr>
-            <a:normAutofit fontScale="70000" lnSpcReduction="20000"/>
-          </a:bodyPr>
-          <a:lstStyle/>
+          <a:bodyPr/>
+          <a:lstStyle/>
+          <a:p>
+            <a:r>
+              <a:rPr lang="en-IN" dirty="0" smtClean="0"/>
+              <a:t>An </a:t>
+            </a:r>
+            <a:r>
+              <a:rPr lang="en-IN" dirty="0" smtClean="0"/>
+              <a:t> Immutable, digital </a:t>
+            </a:r>
+            <a:r>
+              <a:rPr lang="en-IN" dirty="0" smtClean="0"/>
+              <a:t>ledger</a:t>
+            </a:r>
+            <a:r>
+              <a:rPr lang="en-IN" dirty="0" smtClean="0"/>
+              <a:t>. That is replicated  among the participants. </a:t>
+            </a:r>
+            <a:endParaRPr lang="en-IN" dirty="0" smtClean="0"/>
+          </a:p>
+          <a:p>
+            <a:r>
+              <a:rPr lang="en-IN" dirty="0" err="1" smtClean="0"/>
+              <a:t>B</a:t>
+            </a:r>
+            <a:r>
+              <a:rPr lang="en-IN" dirty="0" err="1" smtClean="0"/>
+              <a:t>lockchain</a:t>
+            </a:r>
+            <a:r>
+              <a:rPr lang="en-IN" dirty="0" smtClean="0"/>
+              <a:t> </a:t>
+            </a:r>
+            <a:r>
+              <a:rPr lang="en-IN" dirty="0" smtClean="0"/>
+              <a:t>allows consumers and suppliers to connect directly, removing the need for a third party</a:t>
+            </a:r>
+            <a:r>
+              <a:rPr lang="en-IN" dirty="0" smtClean="0"/>
+              <a:t>.</a:t>
+            </a:r>
+          </a:p>
+          <a:p>
+            <a:r>
+              <a:rPr lang="en-IN" dirty="0" err="1" smtClean="0"/>
+              <a:t>Blockchain</a:t>
+            </a:r>
+            <a:r>
+              <a:rPr lang="en-IN" dirty="0" smtClean="0"/>
+              <a:t> can  generate the trust in the organisation where parties don’t trust each other</a:t>
+            </a:r>
+            <a:endParaRPr lang="en-IN" dirty="0" smtClean="0"/>
+          </a:p>
           <a:p>
             <a:pPr>
               <a:buNone/>
             </a:pPr>
-            <a:r>
-              <a:rPr lang="en-IN" dirty="0" smtClean="0"/>
-              <a:t>    </a:t>
-            </a:r>
-          </a:p>
-          <a:p>
-            <a:r>
-              <a:rPr lang="en-IN" dirty="0" smtClean="0"/>
-              <a:t>1) All the online auction platforms that currently exist are based on one centralized operation. </a:t>
-            </a:r>
-          </a:p>
-          <a:p>
-            <a:r>
-              <a:rPr lang="en-IN" b="1" dirty="0" smtClean="0"/>
-              <a:t>2) They are not transparent- </a:t>
-            </a:r>
-            <a:r>
-              <a:rPr lang="en-IN" dirty="0" smtClean="0"/>
-              <a:t>Bidders have no way to ensure the origin, authenticity and legitimacy of a higher bid. Only the organizer has this information. </a:t>
-            </a:r>
-          </a:p>
-          <a:p>
-            <a:r>
-              <a:rPr lang="en-IN" b="1" dirty="0" smtClean="0"/>
-              <a:t>3) They are not open </a:t>
-            </a:r>
-            <a:r>
-              <a:rPr lang="en-IN" dirty="0" smtClean="0"/>
-              <a:t>- Every bidder must use the organizer’s platform for registration, authentication and bidding. So, as there are a huge number of auctions organizers worldwide, a bidder must register many times over. They must therefore manage many different accounts and learn how to use a new and different interface each time.</a:t>
-            </a:r>
-          </a:p>
-          <a:p>
-            <a:r>
-              <a:rPr lang="en-IN" b="1" dirty="0" smtClean="0"/>
-              <a:t> 4) The ecosystem is very limited</a:t>
-            </a:r>
-            <a:r>
-              <a:rPr lang="en-IN" dirty="0" smtClean="0"/>
-              <a:t>- Because no one standard exists, each organizer has developed its own bidder interfaces and tools and even most auction organizers don’t have mobile applications.</a:t>
-            </a:r>
-          </a:p>
-          <a:p>
-            <a:r>
-              <a:rPr lang="en-IN" dirty="0" smtClean="0"/>
-              <a:t> 5) In contrast with the live auction there will be high organizational cost and maintenance cost with limited number of bidders.</a:t>
-            </a:r>
             <a:endParaRPr lang="en-IN" dirty="0"/>
           </a:p>
         </p:txBody>
@@ -3562,36 +4379,36 @@
           <a:lstStyle/>
           <a:p>
             <a:r>
-              <a:rPr lang="en-IN" dirty="0" err="1" smtClean="0"/>
-              <a:t>Blockchain’s</a:t>
-            </a:r>
-            <a:r>
               <a:rPr lang="en-IN" dirty="0" smtClean="0"/>
-              <a:t> Solution</a:t>
+              <a:t>Current Scenario</a:t>
             </a:r>
             <a:endParaRPr lang="en-IN" dirty="0"/>
           </a:p>
         </p:txBody>
       </p:sp>
-      <p:sp>
-        <p:nvSpPr>
-          <p:cNvPr id="3" name="Content Placeholder 2"/>
-          <p:cNvSpPr>
-            <a:spLocks noGrp="1"/>
-          </p:cNvSpPr>
+      <p:pic>
+        <p:nvPicPr>
+          <p:cNvPr id="5" name="Content Placeholder 4" descr="Auctiongeneral.png"/>
+          <p:cNvPicPr>
+            <a:picLocks noGrp="1" noChangeAspect="1"/>
+          </p:cNvPicPr>
           <p:nvPr>
             <p:ph idx="1"/>
           </p:nvPr>
-        </p:nvSpPr>
-        <p:spPr/>
-        <p:txBody>
-          <a:bodyPr/>
-          <a:lstStyle/>
-          <a:p>
-            <a:endParaRPr lang="en-IN"/>
-          </a:p>
-        </p:txBody>
-      </p:sp>
+        </p:nvPicPr>
+        <p:blipFill>
+          <a:blip r:embed="rId2" cstate="print"/>
+          <a:stretch>
+            <a:fillRect/>
+          </a:stretch>
+        </p:blipFill>
+        <p:spPr>
+          <a:xfrm>
+            <a:off x="762000" y="1600200"/>
+            <a:ext cx="7543800" cy="4800600"/>
+          </a:xfrm>
+        </p:spPr>
+      </p:pic>
     </p:spTree>
   </p:cSld>
   <p:clrMapOvr>
@@ -3634,14 +4451,24 @@
             <p:ph type="title"/>
           </p:nvPr>
         </p:nvSpPr>
-        <p:spPr/>
-        <p:txBody>
-          <a:bodyPr/>
+        <p:spPr>
+          <a:xfrm>
+            <a:off x="3048000" y="304800"/>
+            <a:ext cx="2971800" cy="808038"/>
+          </a:xfrm>
+          <a:solidFill>
+            <a:srgbClr val="FFC000"/>
+          </a:solidFill>
+        </p:spPr>
+        <p:txBody>
+          <a:bodyPr>
+            <a:normAutofit fontScale="90000"/>
+          </a:bodyPr>
           <a:lstStyle/>
           <a:p>
             <a:r>
               <a:rPr lang="en-IN" dirty="0" smtClean="0"/>
-              <a:t>Major Auctions</a:t>
+              <a:t> Gap Analysis</a:t>
             </a:r>
             <a:endParaRPr lang="en-IN" dirty="0"/>
           </a:p>
@@ -3657,37 +4484,175 @@
             <p:ph idx="1"/>
           </p:nvPr>
         </p:nvSpPr>
-        <p:spPr/>
-        <p:txBody>
-          <a:bodyPr/>
-          <a:lstStyle/>
-          <a:p>
+        <p:spPr>
+          <a:xfrm>
+            <a:off x="457200" y="1371600"/>
+            <a:ext cx="8686800" cy="5029200"/>
+          </a:xfrm>
+        </p:spPr>
+        <p:txBody>
+          <a:bodyPr>
+            <a:normAutofit fontScale="85000" lnSpcReduction="20000"/>
+          </a:bodyPr>
+          <a:lstStyle/>
+          <a:p>
+            <a:pPr>
+              <a:buNone/>
+            </a:pPr>
             <a:r>
               <a:rPr lang="en-IN" dirty="0" smtClean="0"/>
-              <a:t>English Auction(an ascending sequential bid auction)</a:t>
-            </a:r>
-          </a:p>
-          <a:p>
+              <a:t>    </a:t>
+            </a:r>
+          </a:p>
+          <a:p>
+            <a:r>
+              <a:rPr lang="en-IN" dirty="0" smtClean="0">
+                <a:solidFill>
+                  <a:srgbClr val="C00000"/>
+                </a:solidFill>
+              </a:rPr>
+              <a:t>C</a:t>
+            </a:r>
+            <a:r>
+              <a:rPr lang="en-IN" dirty="0" smtClean="0">
+                <a:solidFill>
+                  <a:srgbClr val="C00000"/>
+                </a:solidFill>
+              </a:rPr>
+              <a:t>entralized system</a:t>
+            </a:r>
+            <a:r>
+              <a:rPr lang="en-IN" dirty="0" smtClean="0">
+                <a:solidFill>
+                  <a:srgbClr val="C00000"/>
+                </a:solidFill>
+              </a:rPr>
+              <a:t> </a:t>
+            </a:r>
+          </a:p>
+          <a:p>
+            <a:endParaRPr lang="en-IN" dirty="0" smtClean="0"/>
+          </a:p>
+          <a:p>
+            <a:r>
+              <a:rPr lang="en-IN" dirty="0" smtClean="0">
+                <a:solidFill>
+                  <a:srgbClr val="C00000"/>
+                </a:solidFill>
+              </a:rPr>
+              <a:t> Not </a:t>
+            </a:r>
+            <a:r>
+              <a:rPr lang="en-IN" dirty="0" smtClean="0">
+                <a:solidFill>
+                  <a:srgbClr val="C00000"/>
+                </a:solidFill>
+              </a:rPr>
+              <a:t>T</a:t>
+            </a:r>
+            <a:r>
+              <a:rPr lang="en-IN" dirty="0" smtClean="0">
+                <a:solidFill>
+                  <a:srgbClr val="C00000"/>
+                </a:solidFill>
+              </a:rPr>
+              <a:t>ransparent </a:t>
+            </a:r>
             <a:r>
               <a:rPr lang="en-IN" dirty="0" smtClean="0"/>
-              <a:t>Reverse Auction</a:t>
-            </a:r>
-          </a:p>
-          <a:p>
+              <a:t>:  Bidders </a:t>
+            </a:r>
             <a:r>
               <a:rPr lang="en-IN" dirty="0" smtClean="0"/>
-              <a:t>Dutch Auction(an descending sequential bid auction)</a:t>
-            </a:r>
-          </a:p>
-          <a:p>
-            <a:r>
-              <a:rPr lang="en-IN" dirty="0" err="1" smtClean="0"/>
-              <a:t>Kth</a:t>
+              <a:t>have </a:t>
             </a:r>
             <a:r>
               <a:rPr lang="en-IN" dirty="0" smtClean="0"/>
-              <a:t> Price Auction(sealed bid)   etc.</a:t>
-            </a:r>
+              <a:t>to trust the auction  houses. </a:t>
+            </a:r>
+          </a:p>
+          <a:p>
+            <a:endParaRPr lang="en-IN" dirty="0" smtClean="0"/>
+          </a:p>
+          <a:p>
+            <a:r>
+              <a:rPr lang="en-IN" dirty="0" smtClean="0">
+                <a:solidFill>
+                  <a:srgbClr val="C00000"/>
+                </a:solidFill>
+              </a:rPr>
+              <a:t> </a:t>
+            </a:r>
+            <a:r>
+              <a:rPr lang="en-IN" dirty="0" smtClean="0">
+                <a:solidFill>
+                  <a:srgbClr val="C00000"/>
+                </a:solidFill>
+              </a:rPr>
+              <a:t>L</a:t>
+            </a:r>
+            <a:r>
+              <a:rPr lang="en-IN" dirty="0" smtClean="0">
+                <a:solidFill>
+                  <a:srgbClr val="C00000"/>
+                </a:solidFill>
+              </a:rPr>
+              <a:t>ack of common platforms</a:t>
+            </a:r>
+            <a:r>
+              <a:rPr lang="en-IN" dirty="0" smtClean="0">
+                <a:solidFill>
+                  <a:srgbClr val="C00000"/>
+                </a:solidFill>
+              </a:rPr>
+              <a:t> </a:t>
+            </a:r>
+            <a:r>
+              <a:rPr lang="en-IN" dirty="0" smtClean="0"/>
+              <a:t>: different auction house have their own platforms   and own agreement conditions.</a:t>
+            </a:r>
+          </a:p>
+          <a:p>
+            <a:endParaRPr lang="en-IN" dirty="0" smtClean="0">
+              <a:solidFill>
+                <a:srgbClr val="C00000"/>
+              </a:solidFill>
+            </a:endParaRPr>
+          </a:p>
+          <a:p>
+            <a:r>
+              <a:rPr lang="en-IN" dirty="0" smtClean="0">
+                <a:solidFill>
+                  <a:srgbClr val="C00000"/>
+                </a:solidFill>
+              </a:rPr>
+              <a:t>Expensive </a:t>
+            </a:r>
+            <a:r>
+              <a:rPr lang="en-IN" dirty="0" smtClean="0"/>
+              <a:t>: A huge cost involved in carrying out a auction.</a:t>
+            </a:r>
+          </a:p>
+          <a:p>
+            <a:endParaRPr lang="en-IN" dirty="0" smtClean="0"/>
+          </a:p>
+          <a:p>
+            <a:r>
+              <a:rPr lang="en-IN" dirty="0" smtClean="0">
+                <a:solidFill>
+                  <a:srgbClr val="C00000"/>
+                </a:solidFill>
+              </a:rPr>
+              <a:t>Flexibility:</a:t>
+            </a:r>
+          </a:p>
+          <a:p>
+            <a:endParaRPr lang="en-IN" dirty="0" smtClean="0"/>
+          </a:p>
+          <a:p>
+            <a:pPr>
+              <a:buNone/>
+            </a:pPr>
             <a:endParaRPr lang="en-IN" dirty="0"/>
           </a:p>
         </p:txBody>
@@ -3734,42 +4699,346 @@
             <p:ph type="title"/>
           </p:nvPr>
         </p:nvSpPr>
+        <p:spPr>
+          <a:xfrm>
+            <a:off x="2438400" y="304800"/>
+            <a:ext cx="4419600" cy="1112838"/>
+          </a:xfrm>
+          <a:solidFill>
+            <a:srgbClr val="FFC000"/>
+          </a:solidFill>
+        </p:spPr>
+        <p:txBody>
+          <a:bodyPr/>
+          <a:lstStyle/>
+          <a:p>
+            <a:r>
+              <a:rPr lang="en-IN" dirty="0" smtClean="0"/>
+              <a:t>Major Auctions</a:t>
+            </a:r>
+            <a:endParaRPr lang="en-IN" dirty="0"/>
+          </a:p>
+        </p:txBody>
+      </p:sp>
+      <p:sp>
+        <p:nvSpPr>
+          <p:cNvPr id="3" name="Content Placeholder 2"/>
+          <p:cNvSpPr>
+            <a:spLocks noGrp="1"/>
+          </p:cNvSpPr>
+          <p:nvPr>
+            <p:ph idx="1"/>
+          </p:nvPr>
+        </p:nvSpPr>
+        <p:spPr>
+          <a:xfrm>
+            <a:off x="533400" y="2438400"/>
+            <a:ext cx="8229600" cy="3733800"/>
+          </a:xfrm>
+        </p:spPr>
+        <p:txBody>
+          <a:bodyPr/>
+          <a:lstStyle/>
+          <a:p>
+            <a:r>
+              <a:rPr lang="en-IN" dirty="0" smtClean="0"/>
+              <a:t>English </a:t>
+            </a:r>
+            <a:r>
+              <a:rPr lang="en-IN" dirty="0" smtClean="0"/>
+              <a:t>Auction : an </a:t>
+            </a:r>
+            <a:r>
+              <a:rPr lang="en-IN" dirty="0" smtClean="0"/>
+              <a:t>ascending sequential bid </a:t>
+            </a:r>
+            <a:r>
+              <a:rPr lang="en-IN" dirty="0" smtClean="0"/>
+              <a:t>auction.</a:t>
+            </a:r>
+            <a:endParaRPr lang="en-IN" dirty="0" smtClean="0"/>
+          </a:p>
+          <a:p>
+            <a:r>
+              <a:rPr lang="en-IN" dirty="0" smtClean="0"/>
+              <a:t>Reverse </a:t>
+            </a:r>
+            <a:r>
+              <a:rPr lang="en-IN" dirty="0" smtClean="0"/>
+              <a:t>Auction: Role interchanged.</a:t>
+            </a:r>
+            <a:endParaRPr lang="en-IN" dirty="0" smtClean="0"/>
+          </a:p>
+          <a:p>
+            <a:r>
+              <a:rPr lang="en-IN" dirty="0" smtClean="0"/>
+              <a:t>Dutch </a:t>
+            </a:r>
+            <a:r>
+              <a:rPr lang="en-IN" dirty="0" smtClean="0"/>
+              <a:t>Auction : an </a:t>
+            </a:r>
+            <a:r>
+              <a:rPr lang="en-IN" dirty="0" smtClean="0"/>
+              <a:t>descending sequential bid </a:t>
+            </a:r>
+            <a:r>
+              <a:rPr lang="en-IN" dirty="0" smtClean="0"/>
+              <a:t>auction.</a:t>
+            </a:r>
+            <a:endParaRPr lang="en-IN" dirty="0" smtClean="0"/>
+          </a:p>
+          <a:p>
+            <a:r>
+              <a:rPr lang="en-IN" dirty="0" err="1" smtClean="0"/>
+              <a:t>Kth</a:t>
+            </a:r>
+            <a:r>
+              <a:rPr lang="en-IN" dirty="0" smtClean="0"/>
+              <a:t> Price </a:t>
+            </a:r>
+            <a:r>
+              <a:rPr lang="en-IN" dirty="0" smtClean="0"/>
+              <a:t>Auction(sealed bid):  </a:t>
+            </a:r>
+            <a:endParaRPr lang="en-IN" dirty="0"/>
+          </a:p>
+        </p:txBody>
+      </p:sp>
+    </p:spTree>
+  </p:cSld>
+  <p:clrMapOvr>
+    <a:masterClrMapping/>
+  </p:clrMapOvr>
+  <p:timing>
+    <p:tnLst>
+      <p:par>
+        <p:cTn id="1" dur="indefinite" restart="never" nodeType="tmRoot"/>
+      </p:par>
+    </p:tnLst>
+  </p:timing>
+</p:sld>
+</file>
+
+<file path=ppt/slides/slide7.xml><?xml version="1.0" encoding="utf-8"?>
+<p:sld xmlns:a="http://schemas.openxmlformats.org/drawingml/2006/main" xmlns:r="http://schemas.openxmlformats.org/officeDocument/2006/relationships" xmlns:p="http://schemas.openxmlformats.org/presentationml/2006/main">
+  <p:cSld>
+    <p:spTree>
+      <p:nvGrpSpPr>
+        <p:cNvPr id="1" name=""/>
+        <p:cNvGrpSpPr/>
+        <p:nvPr/>
+      </p:nvGrpSpPr>
+      <p:grpSpPr>
+        <a:xfrm>
+          <a:off x="0" y="0"/>
+          <a:ext cx="0" cy="0"/>
+          <a:chOff x="0" y="0"/>
+          <a:chExt cx="0" cy="0"/>
+        </a:xfrm>
+      </p:grpSpPr>
+      <p:sp>
+        <p:nvSpPr>
+          <p:cNvPr id="2" name="Title 1"/>
+          <p:cNvSpPr>
+            <a:spLocks noGrp="1"/>
+          </p:cNvSpPr>
+          <p:nvPr>
+            <p:ph type="title"/>
+          </p:nvPr>
+        </p:nvSpPr>
         <p:spPr/>
         <p:txBody>
           <a:bodyPr/>
           <a:lstStyle/>
           <a:p>
             <a:r>
-              <a:rPr lang="en-IN" dirty="0" err="1" smtClean="0"/>
-              <a:t>Kth_Price</a:t>
-            </a:r>
-            <a:r>
-              <a:rPr lang="en-IN" smtClean="0"/>
-              <a:t> Auction</a:t>
+              <a:rPr lang="en-IN" dirty="0" smtClean="0"/>
+              <a:t>English Auction</a:t>
             </a:r>
             <a:endParaRPr lang="en-IN" dirty="0"/>
           </a:p>
         </p:txBody>
       </p:sp>
-      <p:sp>
-        <p:nvSpPr>
-          <p:cNvPr id="3" name="Content Placeholder 2"/>
-          <p:cNvSpPr>
-            <a:spLocks noGrp="1"/>
-          </p:cNvSpPr>
+      <p:pic>
+        <p:nvPicPr>
+          <p:cNvPr id="4" name="Content Placeholder 3" descr="English-Auction.png"/>
+          <p:cNvPicPr>
+            <a:picLocks noGrp="1" noChangeAspect="1"/>
+          </p:cNvPicPr>
           <p:nvPr>
             <p:ph idx="1"/>
           </p:nvPr>
+        </p:nvPicPr>
+        <p:blipFill>
+          <a:blip r:embed="rId2" cstate="print"/>
+          <a:stretch>
+            <a:fillRect/>
+          </a:stretch>
+        </p:blipFill>
+        <p:spPr>
+          <a:xfrm>
+            <a:off x="457200" y="1676400"/>
+            <a:ext cx="8229600" cy="4064159"/>
+          </a:xfrm>
+        </p:spPr>
+      </p:pic>
+    </p:spTree>
+  </p:cSld>
+  <p:clrMapOvr>
+    <a:masterClrMapping/>
+  </p:clrMapOvr>
+  <p:timing>
+    <p:tnLst>
+      <p:par>
+        <p:cTn id="1" dur="indefinite" restart="never" nodeType="tmRoot"/>
+      </p:par>
+    </p:tnLst>
+  </p:timing>
+</p:sld>
+</file>
+
+<file path=ppt/slides/slide8.xml><?xml version="1.0" encoding="utf-8"?>
+<p:sld xmlns:a="http://schemas.openxmlformats.org/drawingml/2006/main" xmlns:r="http://schemas.openxmlformats.org/officeDocument/2006/relationships" xmlns:p="http://schemas.openxmlformats.org/presentationml/2006/main">
+  <p:cSld>
+    <p:spTree>
+      <p:nvGrpSpPr>
+        <p:cNvPr id="1" name=""/>
+        <p:cNvGrpSpPr/>
+        <p:nvPr/>
+      </p:nvGrpSpPr>
+      <p:grpSpPr>
+        <a:xfrm>
+          <a:off x="0" y="0"/>
+          <a:ext cx="0" cy="0"/>
+          <a:chOff x="0" y="0"/>
+          <a:chExt cx="0" cy="0"/>
+        </a:xfrm>
+      </p:grpSpPr>
+      <p:sp>
+        <p:nvSpPr>
+          <p:cNvPr id="2" name="Title 1"/>
+          <p:cNvSpPr>
+            <a:spLocks noGrp="1"/>
+          </p:cNvSpPr>
+          <p:nvPr>
+            <p:ph type="title"/>
+          </p:nvPr>
         </p:nvSpPr>
         <p:spPr/>
         <p:txBody>
           <a:bodyPr/>
           <a:lstStyle/>
           <a:p>
-            <a:endParaRPr lang="en-IN"/>
-          </a:p>
-        </p:txBody>
-      </p:sp>
+            <a:r>
+              <a:rPr lang="en-IN" dirty="0" smtClean="0"/>
+              <a:t>Reverse Auction</a:t>
+            </a:r>
+            <a:endParaRPr lang="en-IN" dirty="0"/>
+          </a:p>
+        </p:txBody>
+      </p:sp>
+      <p:pic>
+        <p:nvPicPr>
+          <p:cNvPr id="4" name="Content Placeholder 3" descr="ReverseAucton.png"/>
+          <p:cNvPicPr>
+            <a:picLocks noGrp="1" noChangeAspect="1"/>
+          </p:cNvPicPr>
+          <p:nvPr>
+            <p:ph idx="1"/>
+          </p:nvPr>
+        </p:nvPicPr>
+        <p:blipFill>
+          <a:blip r:embed="rId2" cstate="print"/>
+          <a:stretch>
+            <a:fillRect/>
+          </a:stretch>
+        </p:blipFill>
+        <p:spPr>
+          <a:xfrm>
+            <a:off x="762000" y="1600200"/>
+            <a:ext cx="7696200" cy="4876800"/>
+          </a:xfrm>
+        </p:spPr>
+      </p:pic>
+    </p:spTree>
+  </p:cSld>
+  <p:clrMapOvr>
+    <a:masterClrMapping/>
+  </p:clrMapOvr>
+  <p:timing>
+    <p:tnLst>
+      <p:par>
+        <p:cTn id="1" dur="indefinite" restart="never" nodeType="tmRoot"/>
+      </p:par>
+    </p:tnLst>
+  </p:timing>
+</p:sld>
+</file>
+
+<file path=ppt/slides/slide9.xml><?xml version="1.0" encoding="utf-8"?>
+<p:sld xmlns:a="http://schemas.openxmlformats.org/drawingml/2006/main" xmlns:r="http://schemas.openxmlformats.org/officeDocument/2006/relationships" xmlns:p="http://schemas.openxmlformats.org/presentationml/2006/main">
+  <p:cSld>
+    <p:spTree>
+      <p:nvGrpSpPr>
+        <p:cNvPr id="1" name=""/>
+        <p:cNvGrpSpPr/>
+        <p:nvPr/>
+      </p:nvGrpSpPr>
+      <p:grpSpPr>
+        <a:xfrm>
+          <a:off x="0" y="0"/>
+          <a:ext cx="0" cy="0"/>
+          <a:chOff x="0" y="0"/>
+          <a:chExt cx="0" cy="0"/>
+        </a:xfrm>
+      </p:grpSpPr>
+      <p:sp>
+        <p:nvSpPr>
+          <p:cNvPr id="2" name="Title 1"/>
+          <p:cNvSpPr>
+            <a:spLocks noGrp="1"/>
+          </p:cNvSpPr>
+          <p:nvPr>
+            <p:ph type="title"/>
+          </p:nvPr>
+        </p:nvSpPr>
+        <p:spPr/>
+        <p:txBody>
+          <a:bodyPr/>
+          <a:lstStyle/>
+          <a:p>
+            <a:r>
+              <a:rPr lang="en-IN" dirty="0" smtClean="0"/>
+              <a:t>Dutch Auction</a:t>
+            </a:r>
+            <a:endParaRPr lang="en-IN" dirty="0"/>
+          </a:p>
+        </p:txBody>
+      </p:sp>
+      <p:pic>
+        <p:nvPicPr>
+          <p:cNvPr id="4" name="Content Placeholder 3" descr="Dutch-Auction.png"/>
+          <p:cNvPicPr>
+            <a:picLocks noGrp="1" noChangeAspect="1"/>
+          </p:cNvPicPr>
+          <p:nvPr>
+            <p:ph idx="1"/>
+          </p:nvPr>
+        </p:nvPicPr>
+        <p:blipFill>
+          <a:blip r:embed="rId2" cstate="print"/>
+          <a:stretch>
+            <a:fillRect/>
+          </a:stretch>
+        </p:blipFill>
+        <p:spPr>
+          <a:xfrm>
+            <a:off x="457200" y="1524000"/>
+            <a:ext cx="8229600" cy="4419600"/>
+          </a:xfrm>
+        </p:spPr>
+      </p:pic>
     </p:spTree>
   </p:cSld>
   <p:clrMapOvr>
